--- a/Agenda Materials/onedm-agenda-2022-12-19.pptx
+++ b/Agenda Materials/onedm-agenda-2022-12-19.pptx
@@ -7377,7 +7377,7 @@
         </p:nvSpPr>
         <p:spPr>
           <a:xfrm>
-            <a:off x="1358765" y="239003"/>
+            <a:off x="1337744" y="-128860"/>
             <a:ext cx="7293219" cy="1006474"/>
           </a:xfrm>
         </p:spPr>
@@ -7404,7 +7404,7 @@
         </p:nvSpPr>
         <p:spPr>
           <a:xfrm>
-            <a:off x="388884" y="1602828"/>
+            <a:off x="788723" y="972207"/>
             <a:ext cx="8176602" cy="4531488"/>
           </a:xfrm>
         </p:spPr>
@@ -7430,8 +7430,23 @@
             <a:pPr lvl="1"/>
             <a:r>
               <a:rPr lang="en-GB" sz="2900" dirty="0"/>
-              <a:t>ASDF interim </a:t>
-            </a:r>
+              <a:t>ASDF interim Jan 12</a:t>
+            </a:r>
+            <a:r>
+              <a:rPr lang="en-GB" sz="2900" baseline="30000" dirty="0"/>
+              <a:t>th</a:t>
+            </a:r>
+            <a:endParaRPr lang="en-GB" sz="2900" dirty="0"/>
+          </a:p>
+          <a:p>
+            <a:pPr lvl="1"/>
+            <a:r>
+              <a:rPr lang="en-US" dirty="0">
+                <a:hlinkClick r:id="rId2"/>
+              </a:rPr>
+              <a:t>https://datatracker.ietf.org/meeting/upcoming</a:t>
+            </a:r>
+            <a:endParaRPr lang="en-GB" sz="2900" dirty="0"/>
           </a:p>
           <a:p>
             <a:pPr lvl="1"/>
@@ -7445,20 +7460,83 @@
               <a:rPr lang="en-US" sz="3300" dirty="0"/>
               <a:t>"Knowledge Graphs for IoT Platform Digital Twins based on SDF"</a:t>
             </a:r>
-            <a:endParaRPr lang="en-GB" sz="3300" dirty="0"/>
+          </a:p>
+          <a:p>
+            <a:r>
+              <a:rPr lang="en-US" sz="3300" dirty="0"/>
+              <a:t>ASDF interim pre-planning</a:t>
+            </a:r>
+          </a:p>
+          <a:p>
+            <a:pPr lvl="1"/>
+            <a:r>
+              <a:rPr lang="en-US" dirty="0"/>
+              <a:t>Status of the call</a:t>
+            </a:r>
+          </a:p>
+          <a:p>
+            <a:pPr lvl="1"/>
+            <a:r>
+              <a:rPr lang="en-US" dirty="0"/>
+              <a:t>Drafts</a:t>
+            </a:r>
+          </a:p>
+          <a:p>
+            <a:pPr lvl="1"/>
+            <a:r>
+              <a:rPr lang="en-US" b="1" dirty="0"/>
+              <a:t>Move forward on main draft</a:t>
+            </a:r>
+          </a:p>
+          <a:p>
+            <a:pPr lvl="1"/>
+            <a:r>
+              <a:rPr lang="en-US" dirty="0"/>
+              <a:t>Issues and PRs – Jan update</a:t>
+            </a:r>
+          </a:p>
+          <a:p>
+            <a:pPr lvl="1"/>
+            <a:r>
+              <a:rPr lang="en-US" dirty="0"/>
+              <a:t>Have a PR for each issue that can be merged by end</a:t>
+            </a:r>
+          </a:p>
+          <a:p>
+            <a:pPr lvl="1"/>
+            <a:r>
+              <a:rPr lang="en-US" dirty="0"/>
+              <a:t>Ready to progress the links discussion – mail list</a:t>
+            </a:r>
+          </a:p>
+          <a:p>
+            <a:pPr lvl="1"/>
+            <a:r>
+              <a:rPr lang="en-US" dirty="0"/>
+              <a:t>Need the charter to process extensions – drafts need to be ready</a:t>
+            </a:r>
+          </a:p>
+          <a:p>
+            <a:pPr lvl="1"/>
+            <a:r>
+              <a:rPr lang="en-US" dirty="0"/>
+              <a:t>Instances discussion – </a:t>
+            </a:r>
+            <a:r>
+              <a:rPr lang="en-US" dirty="0" err="1"/>
+              <a:t>uuid</a:t>
+            </a:r>
+            <a:r>
+              <a:rPr lang="en-US" dirty="0"/>
+              <a:t> property</a:t>
+            </a:r>
+            <a:endParaRPr lang="en-GB" dirty="0"/>
           </a:p>
           <a:p>
             <a:r>
               <a:rPr lang="en-GB" sz="3300" dirty="0"/>
               <a:t>AOB</a:t>
             </a:r>
-          </a:p>
-          <a:p>
-            <a:r>
-              <a:rPr lang="en-GB" sz="3300" dirty="0"/>
-              <a:t>Bluetooth progress @Ericsson</a:t>
-            </a:r>
-            <a:endParaRPr lang="en-GB" dirty="0"/>
           </a:p>
         </p:txBody>
       </p:sp>

--- a/Agenda Materials/onedm-agenda-2022-12-19.pptx
+++ b/Agenda Materials/onedm-agenda-2022-12-19.pptx
@@ -200,7 +200,7 @@
           <a:p>
             <a:fld id="{BA52C132-66A2-E345-8EBB-CCDD2AA78407}" type="datetimeFigureOut">
               <a:rPr lang="en-US" smtClean="0"/>
-              <a:t>12/19/22</a:t>
+              <a:t>1/6/23</a:t>
             </a:fld>
             <a:endParaRPr lang="en-US"/>
           </a:p>
@@ -598,7 +598,7 @@
           <a:p>
             <a:fld id="{D057EDBF-1783-6543-A668-FCF30E10D4FA}" type="datetimeFigureOut">
               <a:rPr lang="en-US" smtClean="0"/>
-              <a:t>12/19/22</a:t>
+              <a:t>1/6/23</a:t>
             </a:fld>
             <a:endParaRPr lang="en-US" dirty="0"/>
           </a:p>
@@ -1512,7 +1512,7 @@
           <a:p>
             <a:fld id="{D057EDBF-1783-6543-A668-FCF30E10D4FA}" type="datetimeFigureOut">
               <a:rPr lang="en-US" smtClean="0"/>
-              <a:t>12/19/22</a:t>
+              <a:t>1/6/23</a:t>
             </a:fld>
             <a:endParaRPr lang="en-US"/>
           </a:p>
@@ -1687,7 +1687,7 @@
           <a:p>
             <a:fld id="{D057EDBF-1783-6543-A668-FCF30E10D4FA}" type="datetimeFigureOut">
               <a:rPr lang="en-US" smtClean="0"/>
-              <a:t>12/19/22</a:t>
+              <a:t>1/6/23</a:t>
             </a:fld>
             <a:endParaRPr lang="en-US"/>
           </a:p>
@@ -1890,7 +1890,7 @@
           <a:p>
             <a:fld id="{908F779F-8F42-4393-AF9F-89DFA4BAC582}" type="datetimeFigureOut">
               <a:rPr lang="en-US" smtClean="0"/>
-              <a:t>12/19/22</a:t>
+              <a:t>1/6/23</a:t>
             </a:fld>
             <a:endParaRPr lang="en-US"/>
           </a:p>
@@ -2088,7 +2088,7 @@
           <a:p>
             <a:fld id="{908F779F-8F42-4393-AF9F-89DFA4BAC582}" type="datetimeFigureOut">
               <a:rPr lang="en-US" smtClean="0"/>
-              <a:t>12/19/22</a:t>
+              <a:t>1/6/23</a:t>
             </a:fld>
             <a:endParaRPr lang="en-US"/>
           </a:p>
@@ -2363,7 +2363,7 @@
           <a:p>
             <a:fld id="{908F779F-8F42-4393-AF9F-89DFA4BAC582}" type="datetimeFigureOut">
               <a:rPr lang="en-US" smtClean="0"/>
-              <a:t>12/19/22</a:t>
+              <a:t>1/6/23</a:t>
             </a:fld>
             <a:endParaRPr lang="en-US"/>
           </a:p>
@@ -2628,7 +2628,7 @@
           <a:p>
             <a:fld id="{908F779F-8F42-4393-AF9F-89DFA4BAC582}" type="datetimeFigureOut">
               <a:rPr lang="en-US" smtClean="0"/>
-              <a:t>12/19/22</a:t>
+              <a:t>1/6/23</a:t>
             </a:fld>
             <a:endParaRPr lang="en-US"/>
           </a:p>
@@ -3040,7 +3040,7 @@
           <a:p>
             <a:fld id="{908F779F-8F42-4393-AF9F-89DFA4BAC582}" type="datetimeFigureOut">
               <a:rPr lang="en-US" smtClean="0"/>
-              <a:t>12/19/22</a:t>
+              <a:t>1/6/23</a:t>
             </a:fld>
             <a:endParaRPr lang="en-US"/>
           </a:p>
@@ -3181,7 +3181,7 @@
           <a:p>
             <a:fld id="{908F779F-8F42-4393-AF9F-89DFA4BAC582}" type="datetimeFigureOut">
               <a:rPr lang="en-US" smtClean="0"/>
-              <a:t>12/19/22</a:t>
+              <a:t>1/6/23</a:t>
             </a:fld>
             <a:endParaRPr lang="en-US"/>
           </a:p>
@@ -3294,7 +3294,7 @@
           <a:p>
             <a:fld id="{908F779F-8F42-4393-AF9F-89DFA4BAC582}" type="datetimeFigureOut">
               <a:rPr lang="en-US" smtClean="0"/>
-              <a:t>12/19/22</a:t>
+              <a:t>1/6/23</a:t>
             </a:fld>
             <a:endParaRPr lang="en-US"/>
           </a:p>
@@ -3605,7 +3605,7 @@
           <a:p>
             <a:fld id="{908F779F-8F42-4393-AF9F-89DFA4BAC582}" type="datetimeFigureOut">
               <a:rPr lang="en-US" smtClean="0"/>
-              <a:t>12/19/22</a:t>
+              <a:t>1/6/23</a:t>
             </a:fld>
             <a:endParaRPr lang="en-US"/>
           </a:p>
@@ -3795,7 +3795,7 @@
           <a:p>
             <a:fld id="{D057EDBF-1783-6543-A668-FCF30E10D4FA}" type="datetimeFigureOut">
               <a:rPr lang="en-US" smtClean="0"/>
-              <a:t>12/19/22</a:t>
+              <a:t>1/6/23</a:t>
             </a:fld>
             <a:endParaRPr lang="en-US" dirty="0"/>
           </a:p>
@@ -4099,7 +4099,7 @@
           <a:p>
             <a:fld id="{908F779F-8F42-4393-AF9F-89DFA4BAC582}" type="datetimeFigureOut">
               <a:rPr lang="en-US" smtClean="0"/>
-              <a:t>12/19/22</a:t>
+              <a:t>1/6/23</a:t>
             </a:fld>
             <a:endParaRPr lang="en-US"/>
           </a:p>
@@ -4297,7 +4297,7 @@
           <a:p>
             <a:fld id="{908F779F-8F42-4393-AF9F-89DFA4BAC582}" type="datetimeFigureOut">
               <a:rPr lang="en-US" smtClean="0"/>
-              <a:t>12/19/22</a:t>
+              <a:t>1/6/23</a:t>
             </a:fld>
             <a:endParaRPr lang="en-US"/>
           </a:p>
@@ -4505,7 +4505,7 @@
           <a:p>
             <a:fld id="{908F779F-8F42-4393-AF9F-89DFA4BAC582}" type="datetimeFigureOut">
               <a:rPr lang="en-US" smtClean="0"/>
-              <a:t>12/19/22</a:t>
+              <a:t>1/6/23</a:t>
             </a:fld>
             <a:endParaRPr lang="en-US"/>
           </a:p>
@@ -4761,7 +4761,7 @@
           <a:p>
             <a:fld id="{D057EDBF-1783-6543-A668-FCF30E10D4FA}" type="datetimeFigureOut">
               <a:rPr lang="en-US" smtClean="0"/>
-              <a:t>12/19/22</a:t>
+              <a:t>1/6/23</a:t>
             </a:fld>
             <a:endParaRPr lang="en-US"/>
           </a:p>
@@ -4988,7 +4988,7 @@
           <a:p>
             <a:fld id="{D057EDBF-1783-6543-A668-FCF30E10D4FA}" type="datetimeFigureOut">
               <a:rPr lang="en-US" smtClean="0"/>
-              <a:t>12/19/22</a:t>
+              <a:t>1/6/23</a:t>
             </a:fld>
             <a:endParaRPr lang="en-US"/>
           </a:p>
@@ -5350,7 +5350,7 @@
           <a:p>
             <a:fld id="{D057EDBF-1783-6543-A668-FCF30E10D4FA}" type="datetimeFigureOut">
               <a:rPr lang="en-US" smtClean="0"/>
-              <a:t>12/19/22</a:t>
+              <a:t>1/6/23</a:t>
             </a:fld>
             <a:endParaRPr lang="en-US"/>
           </a:p>
@@ -5463,7 +5463,7 @@
           <a:p>
             <a:fld id="{D057EDBF-1783-6543-A668-FCF30E10D4FA}" type="datetimeFigureOut">
               <a:rPr lang="en-US" smtClean="0"/>
-              <a:t>12/19/22</a:t>
+              <a:t>1/6/23</a:t>
             </a:fld>
             <a:endParaRPr lang="en-US"/>
           </a:p>
@@ -5553,7 +5553,7 @@
           <a:p>
             <a:fld id="{D057EDBF-1783-6543-A668-FCF30E10D4FA}" type="datetimeFigureOut">
               <a:rPr lang="en-US" smtClean="0"/>
-              <a:t>12/19/22</a:t>
+              <a:t>1/6/23</a:t>
             </a:fld>
             <a:endParaRPr lang="en-US"/>
           </a:p>
@@ -5825,7 +5825,7 @@
           <a:p>
             <a:fld id="{D057EDBF-1783-6543-A668-FCF30E10D4FA}" type="datetimeFigureOut">
               <a:rPr lang="en-US" smtClean="0"/>
-              <a:t>12/19/22</a:t>
+              <a:t>1/6/23</a:t>
             </a:fld>
             <a:endParaRPr lang="en-US"/>
           </a:p>
@@ -6077,7 +6077,7 @@
           <a:p>
             <a:fld id="{D057EDBF-1783-6543-A668-FCF30E10D4FA}" type="datetimeFigureOut">
               <a:rPr lang="en-US" smtClean="0"/>
-              <a:t>12/19/22</a:t>
+              <a:t>1/6/23</a:t>
             </a:fld>
             <a:endParaRPr lang="en-US"/>
           </a:p>
@@ -6288,7 +6288,7 @@
           <a:p>
             <a:fld id="{D057EDBF-1783-6543-A668-FCF30E10D4FA}" type="datetimeFigureOut">
               <a:rPr lang="en-US" smtClean="0"/>
-              <a:t>12/19/22</a:t>
+              <a:t>1/6/23</a:t>
             </a:fld>
             <a:endParaRPr lang="en-US"/>
           </a:p>
@@ -6844,7 +6844,7 @@
           <a:p>
             <a:fld id="{908F779F-8F42-4393-AF9F-89DFA4BAC582}" type="datetimeFigureOut">
               <a:rPr lang="en-US" smtClean="0"/>
-              <a:t>12/19/22</a:t>
+              <a:t>1/6/23</a:t>
             </a:fld>
             <a:endParaRPr lang="en-US"/>
           </a:p>
@@ -7330,7 +7330,7 @@
           <a:p>
             <a:r>
               <a:rPr lang="en-US" dirty="0"/>
-              <a:t>December 19, 2022</a:t>
+              <a:t>January 9, 2023</a:t>
             </a:r>
           </a:p>
         </p:txBody>
@@ -7404,7 +7404,7 @@
         </p:nvSpPr>
         <p:spPr>
           <a:xfrm>
-            <a:off x="788723" y="972207"/>
+            <a:off x="799233" y="1350580"/>
             <a:ext cx="8176602" cy="4531488"/>
           </a:xfrm>
         </p:spPr>
@@ -7458,79 +7458,34 @@
           <a:p>
             <a:r>
               <a:rPr lang="en-US" sz="3300" dirty="0"/>
-              <a:t>"Knowledge Graphs for IoT Platform Digital Twins based on SDF"</a:t>
+              <a:t>Update on Bluetooth models</a:t>
             </a:r>
           </a:p>
           <a:p>
             <a:r>
               <a:rPr lang="en-US" sz="3300" dirty="0"/>
-              <a:t>ASDF interim pre-planning</a:t>
-            </a:r>
-          </a:p>
-          <a:p>
-            <a:pPr lvl="1"/>
-            <a:r>
-              <a:rPr lang="en-US" dirty="0"/>
-              <a:t>Status of the call</a:t>
-            </a:r>
-          </a:p>
-          <a:p>
-            <a:pPr lvl="1"/>
-            <a:r>
-              <a:rPr lang="en-US" dirty="0"/>
-              <a:t>Drafts</a:t>
-            </a:r>
-          </a:p>
-          <a:p>
-            <a:pPr lvl="1"/>
-            <a:r>
-              <a:rPr lang="en-US" b="1" dirty="0"/>
-              <a:t>Move forward on main draft</a:t>
-            </a:r>
-          </a:p>
-          <a:p>
-            <a:pPr lvl="1"/>
-            <a:r>
-              <a:rPr lang="en-US" dirty="0"/>
-              <a:t>Issues and PRs – Jan update</a:t>
-            </a:r>
-          </a:p>
-          <a:p>
-            <a:pPr lvl="1"/>
-            <a:r>
-              <a:rPr lang="en-US" dirty="0"/>
-              <a:t>Have a PR for each issue that can be merged by end</a:t>
-            </a:r>
-          </a:p>
-          <a:p>
-            <a:pPr lvl="1"/>
-            <a:r>
-              <a:rPr lang="en-US" dirty="0"/>
-              <a:t>Ready to progress the links discussion – mail list</a:t>
-            </a:r>
-          </a:p>
-          <a:p>
-            <a:pPr lvl="1"/>
-            <a:r>
-              <a:rPr lang="en-US" dirty="0"/>
-              <a:t>Need the charter to process extensions – drafts need to be ready</a:t>
-            </a:r>
-          </a:p>
-          <a:p>
-            <a:pPr lvl="1"/>
-            <a:r>
-              <a:rPr lang="en-US" dirty="0"/>
-              <a:t>Instances discussion – </a:t>
-            </a:r>
-            <a:r>
-              <a:rPr lang="en-US" dirty="0" err="1"/>
-              <a:t>uuid</a:t>
-            </a:r>
-            <a:r>
-              <a:rPr lang="en-US" dirty="0"/>
-              <a:t> property</a:t>
-            </a:r>
-            <a:endParaRPr lang="en-GB" dirty="0"/>
+              <a:t>Follow up on </a:t>
+            </a:r>
+            <a:r>
+              <a:rPr lang="en-US" sz="3300" dirty="0" err="1"/>
+              <a:t>sdfRelation</a:t>
+            </a:r>
+            <a:r>
+              <a:rPr lang="en-US" sz="3300" dirty="0"/>
+              <a:t> and </a:t>
+            </a:r>
+            <a:r>
+              <a:rPr lang="en-US" sz="3300" dirty="0" err="1"/>
+              <a:t>sdfLink</a:t>
+            </a:r>
+            <a:endParaRPr lang="en-US" sz="3300" dirty="0"/>
+          </a:p>
+          <a:p>
+            <a:r>
+              <a:rPr lang="en-US" sz="3200" dirty="0"/>
+              <a:t>ASDF Interim (if needed)</a:t>
+            </a:r>
+            <a:endParaRPr lang="en-GB" sz="3200" dirty="0"/>
           </a:p>
           <a:p>
             <a:r>
@@ -7634,7 +7589,7 @@
             </a:pPr>
             <a:r>
               <a:rPr lang="en-US" sz="2000" dirty="0"/>
-              <a:t>Scheduled: Dec 19, 2022 at 8:00 AM to 9:00 AM, PDT</a:t>
+              <a:t>Scheduled: Jan 9, 2023 at 8:00 AM to 9:00 AM, PDT</a:t>
             </a:r>
           </a:p>
           <a:p>
